--- a/Xdecy presentation.pptx
+++ b/Xdecy presentation.pptx
@@ -309,7 +309,7 @@
           <a:p>
             <a:fld id="{CAB6A1F8-6981-4397-B8C6-FE92E3437F14}" type="datetimeFigureOut">
               <a:rPr lang="ru-RU" smtClean="0"/>
-              <a:t>13.01.2022</a:t>
+              <a:t>22.01.2022</a:t>
             </a:fld>
             <a:endParaRPr lang="ru-RU"/>
           </a:p>
@@ -745,7 +745,7 @@
           <a:p>
             <a:fld id="{CAB6A1F8-6981-4397-B8C6-FE92E3437F14}" type="datetimeFigureOut">
               <a:rPr lang="ru-RU" smtClean="0"/>
-              <a:t>13.01.2022</a:t>
+              <a:t>22.01.2022</a:t>
             </a:fld>
             <a:endParaRPr lang="ru-RU"/>
           </a:p>
@@ -995,7 +995,7 @@
           <a:p>
             <a:fld id="{CAB6A1F8-6981-4397-B8C6-FE92E3437F14}" type="datetimeFigureOut">
               <a:rPr lang="ru-RU" smtClean="0"/>
-              <a:t>13.01.2022</a:t>
+              <a:t>22.01.2022</a:t>
             </a:fld>
             <a:endParaRPr lang="ru-RU"/>
           </a:p>
@@ -1303,7 +1303,7 @@
           <a:p>
             <a:fld id="{CAB6A1F8-6981-4397-B8C6-FE92E3437F14}" type="datetimeFigureOut">
               <a:rPr lang="ru-RU" smtClean="0"/>
-              <a:t>13.01.2022</a:t>
+              <a:t>22.01.2022</a:t>
             </a:fld>
             <a:endParaRPr lang="ru-RU"/>
           </a:p>
@@ -1621,7 +1621,7 @@
           <a:p>
             <a:fld id="{CAB6A1F8-6981-4397-B8C6-FE92E3437F14}" type="datetimeFigureOut">
               <a:rPr lang="ru-RU" smtClean="0"/>
-              <a:t>13.01.2022</a:t>
+              <a:t>22.01.2022</a:t>
             </a:fld>
             <a:endParaRPr lang="ru-RU"/>
           </a:p>
@@ -1923,7 +1923,7 @@
           <a:p>
             <a:fld id="{CAB6A1F8-6981-4397-B8C6-FE92E3437F14}" type="datetimeFigureOut">
               <a:rPr lang="ru-RU" smtClean="0"/>
-              <a:t>13.01.2022</a:t>
+              <a:t>22.01.2022</a:t>
             </a:fld>
             <a:endParaRPr lang="ru-RU"/>
           </a:p>
@@ -2290,7 +2290,7 @@
           <a:p>
             <a:fld id="{CAB6A1F8-6981-4397-B8C6-FE92E3437F14}" type="datetimeFigureOut">
               <a:rPr lang="ru-RU" smtClean="0"/>
-              <a:t>13.01.2022</a:t>
+              <a:t>22.01.2022</a:t>
             </a:fld>
             <a:endParaRPr lang="ru-RU"/>
           </a:p>
@@ -2464,7 +2464,7 @@
           <a:p>
             <a:fld id="{CAB6A1F8-6981-4397-B8C6-FE92E3437F14}" type="datetimeFigureOut">
               <a:rPr lang="ru-RU" smtClean="0"/>
-              <a:t>13.01.2022</a:t>
+              <a:t>22.01.2022</a:t>
             </a:fld>
             <a:endParaRPr lang="ru-RU"/>
           </a:p>
@@ -2644,7 +2644,7 @@
           <a:p>
             <a:fld id="{CAB6A1F8-6981-4397-B8C6-FE92E3437F14}" type="datetimeFigureOut">
               <a:rPr lang="ru-RU" smtClean="0"/>
-              <a:t>13.01.2022</a:t>
+              <a:t>22.01.2022</a:t>
             </a:fld>
             <a:endParaRPr lang="ru-RU"/>
           </a:p>
@@ -2814,7 +2814,7 @@
           <a:p>
             <a:fld id="{CAB6A1F8-6981-4397-B8C6-FE92E3437F14}" type="datetimeFigureOut">
               <a:rPr lang="ru-RU" smtClean="0"/>
-              <a:t>13.01.2022</a:t>
+              <a:t>22.01.2022</a:t>
             </a:fld>
             <a:endParaRPr lang="ru-RU"/>
           </a:p>
@@ -3064,7 +3064,7 @@
           <a:p>
             <a:fld id="{CAB6A1F8-6981-4397-B8C6-FE92E3437F14}" type="datetimeFigureOut">
               <a:rPr lang="ru-RU" smtClean="0"/>
-              <a:t>13.01.2022</a:t>
+              <a:t>22.01.2022</a:t>
             </a:fld>
             <a:endParaRPr lang="ru-RU"/>
           </a:p>
@@ -3300,7 +3300,7 @@
           <a:p>
             <a:fld id="{CAB6A1F8-6981-4397-B8C6-FE92E3437F14}" type="datetimeFigureOut">
               <a:rPr lang="ru-RU" smtClean="0"/>
-              <a:t>13.01.2022</a:t>
+              <a:t>22.01.2022</a:t>
             </a:fld>
             <a:endParaRPr lang="ru-RU"/>
           </a:p>
@@ -3682,7 +3682,7 @@
           <a:p>
             <a:fld id="{CAB6A1F8-6981-4397-B8C6-FE92E3437F14}" type="datetimeFigureOut">
               <a:rPr lang="ru-RU" smtClean="0"/>
-              <a:t>13.01.2022</a:t>
+              <a:t>22.01.2022</a:t>
             </a:fld>
             <a:endParaRPr lang="ru-RU"/>
           </a:p>
@@ -3800,7 +3800,7 @@
           <a:p>
             <a:fld id="{CAB6A1F8-6981-4397-B8C6-FE92E3437F14}" type="datetimeFigureOut">
               <a:rPr lang="ru-RU" smtClean="0"/>
-              <a:t>13.01.2022</a:t>
+              <a:t>22.01.2022</a:t>
             </a:fld>
             <a:endParaRPr lang="ru-RU"/>
           </a:p>
@@ -3895,7 +3895,7 @@
           <a:p>
             <a:fld id="{CAB6A1F8-6981-4397-B8C6-FE92E3437F14}" type="datetimeFigureOut">
               <a:rPr lang="ru-RU" smtClean="0"/>
-              <a:t>13.01.2022</a:t>
+              <a:t>22.01.2022</a:t>
             </a:fld>
             <a:endParaRPr lang="ru-RU"/>
           </a:p>
@@ -4150,7 +4150,7 @@
           <a:p>
             <a:fld id="{CAB6A1F8-6981-4397-B8C6-FE92E3437F14}" type="datetimeFigureOut">
               <a:rPr lang="ru-RU" smtClean="0"/>
-              <a:t>13.01.2022</a:t>
+              <a:t>22.01.2022</a:t>
             </a:fld>
             <a:endParaRPr lang="ru-RU"/>
           </a:p>
@@ -4433,7 +4433,7 @@
           <a:p>
             <a:fld id="{CAB6A1F8-6981-4397-B8C6-FE92E3437F14}" type="datetimeFigureOut">
               <a:rPr lang="ru-RU" smtClean="0"/>
-              <a:t>13.01.2022</a:t>
+              <a:t>22.01.2022</a:t>
             </a:fld>
             <a:endParaRPr lang="ru-RU"/>
           </a:p>
@@ -4839,7 +4839,7 @@
           <a:p>
             <a:fld id="{CAB6A1F8-6981-4397-B8C6-FE92E3437F14}" type="datetimeFigureOut">
               <a:rPr lang="ru-RU" smtClean="0"/>
-              <a:t>13.01.2022</a:t>
+              <a:t>22.01.2022</a:t>
             </a:fld>
             <a:endParaRPr lang="ru-RU"/>
           </a:p>
@@ -6221,13 +6221,39 @@
           </a:bodyPr>
           <a:lstStyle/>
           <a:p>
-            <a:pPr marL="0" indent="0">
-              <a:buNone/>
+            <a:pPr>
+              <a:buFont typeface="Wingdings" panose="05000000000000000000" pitchFamily="2" charset="2"/>
+              <a:buChar char="Ø"/>
             </a:pPr>
             <a:r>
               <a:rPr lang="ru-RU" dirty="0"/>
-              <a:t>Редактор уровней(напиши ты)</a:t>
-            </a:r>
+              <a:t>На данный момент редактор уровней может редактировать только одну локацию. В будущем можно сделать возможность редактировать весь лабиринт!</a:t>
+            </a:r>
+          </a:p>
+          <a:p>
+            <a:pPr>
+              <a:buFont typeface="Wingdings" panose="05000000000000000000" pitchFamily="2" charset="2"/>
+              <a:buChar char="Ø"/>
+            </a:pPr>
+            <a:r>
+              <a:rPr lang="ru-RU" dirty="0"/>
+              <a:t>Добавить возможность убирать предметы</a:t>
+            </a:r>
+          </a:p>
+          <a:p>
+            <a:pPr>
+              <a:buFont typeface="Wingdings" panose="05000000000000000000" pitchFamily="2" charset="2"/>
+              <a:buChar char="Ø"/>
+            </a:pPr>
+            <a:r>
+              <a:rPr lang="ru-RU" dirty="0"/>
+              <a:t>Улучшить способ отображения: если поставить моба и предмет в одно место, то предмет не </a:t>
+            </a:r>
+            <a:r>
+              <a:rPr lang="ru-RU"/>
+              <a:t>будет видно</a:t>
+            </a:r>
+            <a:endParaRPr lang="ru-RU" dirty="0"/>
           </a:p>
         </p:txBody>
       </p:sp>
